--- a/Vikram_Pendse_Speaker_Profile.pptx
+++ b/Vikram_Pendse_Speaker_Profile.pptx
@@ -241,7 +241,7 @@
           <a:p>
             <a:fld id="{9ED0F6ED-5F01-4AC4-8259-D27AC7C5880B}" type="datetimeFigureOut">
               <a:rPr lang="en-US" smtClean="0"/>
-              <a:t>9/7/2018</a:t>
+              <a:t>11/14/2018</a:t>
             </a:fld>
             <a:endParaRPr lang="en-US"/>
           </a:p>
@@ -409,7 +409,7 @@
           <a:p>
             <a:fld id="{9ED0F6ED-5F01-4AC4-8259-D27AC7C5880B}" type="datetimeFigureOut">
               <a:rPr lang="en-US" smtClean="0"/>
-              <a:t>9/7/2018</a:t>
+              <a:t>11/14/2018</a:t>
             </a:fld>
             <a:endParaRPr lang="en-US"/>
           </a:p>
@@ -587,7 +587,7 @@
           <a:p>
             <a:fld id="{9ED0F6ED-5F01-4AC4-8259-D27AC7C5880B}" type="datetimeFigureOut">
               <a:rPr lang="en-US" smtClean="0"/>
-              <a:t>9/7/2018</a:t>
+              <a:t>11/14/2018</a:t>
             </a:fld>
             <a:endParaRPr lang="en-US"/>
           </a:p>
@@ -855,7 +855,7 @@
           <a:p>
             <a:fld id="{9ED0F6ED-5F01-4AC4-8259-D27AC7C5880B}" type="datetimeFigureOut">
               <a:rPr lang="en-US" smtClean="0"/>
-              <a:t>9/7/2018</a:t>
+              <a:t>11/14/2018</a:t>
             </a:fld>
             <a:endParaRPr lang="en-US"/>
           </a:p>
@@ -1100,7 +1100,7 @@
           <a:p>
             <a:fld id="{9ED0F6ED-5F01-4AC4-8259-D27AC7C5880B}" type="datetimeFigureOut">
               <a:rPr lang="en-US" smtClean="0"/>
-              <a:t>9/7/2018</a:t>
+              <a:t>11/14/2018</a:t>
             </a:fld>
             <a:endParaRPr lang="en-US"/>
           </a:p>
@@ -1329,7 +1329,7 @@
           <a:p>
             <a:fld id="{9ED0F6ED-5F01-4AC4-8259-D27AC7C5880B}" type="datetimeFigureOut">
               <a:rPr lang="en-US" smtClean="0"/>
-              <a:t>9/7/2018</a:t>
+              <a:t>11/14/2018</a:t>
             </a:fld>
             <a:endParaRPr lang="en-US"/>
           </a:p>
@@ -1693,7 +1693,7 @@
           <a:p>
             <a:fld id="{9ED0F6ED-5F01-4AC4-8259-D27AC7C5880B}" type="datetimeFigureOut">
               <a:rPr lang="en-US" smtClean="0"/>
-              <a:t>9/7/2018</a:t>
+              <a:t>11/14/2018</a:t>
             </a:fld>
             <a:endParaRPr lang="en-US"/>
           </a:p>
@@ -1810,7 +1810,7 @@
           <a:p>
             <a:fld id="{9ED0F6ED-5F01-4AC4-8259-D27AC7C5880B}" type="datetimeFigureOut">
               <a:rPr lang="en-US" smtClean="0"/>
-              <a:t>9/7/2018</a:t>
+              <a:t>11/14/2018</a:t>
             </a:fld>
             <a:endParaRPr lang="en-US"/>
           </a:p>
@@ -1905,7 +1905,7 @@
           <a:p>
             <a:fld id="{9ED0F6ED-5F01-4AC4-8259-D27AC7C5880B}" type="datetimeFigureOut">
               <a:rPr lang="en-US" smtClean="0"/>
-              <a:t>9/7/2018</a:t>
+              <a:t>11/14/2018</a:t>
             </a:fld>
             <a:endParaRPr lang="en-US"/>
           </a:p>
@@ -2180,7 +2180,7 @@
           <a:p>
             <a:fld id="{9ED0F6ED-5F01-4AC4-8259-D27AC7C5880B}" type="datetimeFigureOut">
               <a:rPr lang="en-US" smtClean="0"/>
-              <a:t>9/7/2018</a:t>
+              <a:t>11/14/2018</a:t>
             </a:fld>
             <a:endParaRPr lang="en-US"/>
           </a:p>
@@ -2432,7 +2432,7 @@
           <a:p>
             <a:fld id="{9ED0F6ED-5F01-4AC4-8259-D27AC7C5880B}" type="datetimeFigureOut">
               <a:rPr lang="en-US" smtClean="0"/>
-              <a:t>9/7/2018</a:t>
+              <a:t>11/14/2018</a:t>
             </a:fld>
             <a:endParaRPr lang="en-US"/>
           </a:p>
@@ -2643,7 +2643,7 @@
           <a:p>
             <a:fld id="{9ED0F6ED-5F01-4AC4-8259-D27AC7C5880B}" type="datetimeFigureOut">
               <a:rPr lang="en-US" smtClean="0"/>
-              <a:t>9/7/2018</a:t>
+              <a:t>11/14/2018</a:t>
             </a:fld>
             <a:endParaRPr lang="en-US"/>
           </a:p>
@@ -3155,7 +3155,15 @@
           <a:p>
             <a:r>
               <a:rPr lang="en-US" dirty="0"/>
-              <a:t>Vikram Pendse is currently working as Cloud Solution Architect in e-Zest Solutions Ltd. in (Pune) India. He is responsible for Building cloud strategy for e-Zest customers globally, moving Amazon AWS workloads to Azure, Providing Estimates, Architecture, Supporting RFPs and Sales. He is Microsoft MVP since year 2008 and currently he is Microsoft Azure MVP. He is a very active member in various Microsoft Communities and participates as a Speaker in many events in across the globe and talking on Microsoft Azure, Microsoft AI &amp; ML, Azure Blockchain. You can follow him on Twitter @</a:t>
+              <a:t>Vikram Pendse is currently working as Cloud Solution Architect in e-Zest Solutions Ltd. in (Pune) India. He is responsible for building Cloud and Digital innovation strategy for e-Zest customers globally. He is Microsoft MVP since year 2008 and currently Microsoft Azure MVP. He is Certified Azure Seller and completed AI Certification from University of Helsinki and </a:t>
+            </a:r>
+            <a:r>
+              <a:rPr lang="en-US" dirty="0" err="1"/>
+              <a:t>Reaktor</a:t>
+            </a:r>
+            <a:r>
+              <a:rPr lang="en-US" dirty="0"/>
+              <a:t>. He is a very active member in various Microsoft Communities and participates as a Speaker in many events in across the globe and talking on Microsoft Azure, Microsoft AI &amp; ML, Azure Blockchain. You can follow him on Twitter @</a:t>
             </a:r>
             <a:r>
               <a:rPr lang="en-US" dirty="0" err="1"/>

--- a/Vikram_Pendse_Speaker_Profile.pptx
+++ b/Vikram_Pendse_Speaker_Profile.pptx
@@ -6,6 +6,7 @@
   </p:sldMasterIdLst>
   <p:sldIdLst>
     <p:sldId id="257" r:id="rId2"/>
+    <p:sldId id="258" r:id="rId3"/>
   </p:sldIdLst>
   <p:sldSz cx="12192000" cy="6858000"/>
   <p:notesSz cx="6858000" cy="9144000"/>
@@ -241,7 +242,7 @@
           <a:p>
             <a:fld id="{9ED0F6ED-5F01-4AC4-8259-D27AC7C5880B}" type="datetimeFigureOut">
               <a:rPr lang="en-US" smtClean="0"/>
-              <a:t>11/14/2018</a:t>
+              <a:t>9/14/2022</a:t>
             </a:fld>
             <a:endParaRPr lang="en-US"/>
           </a:p>
@@ -409,7 +410,7 @@
           <a:p>
             <a:fld id="{9ED0F6ED-5F01-4AC4-8259-D27AC7C5880B}" type="datetimeFigureOut">
               <a:rPr lang="en-US" smtClean="0"/>
-              <a:t>11/14/2018</a:t>
+              <a:t>9/14/2022</a:t>
             </a:fld>
             <a:endParaRPr lang="en-US"/>
           </a:p>
@@ -587,7 +588,7 @@
           <a:p>
             <a:fld id="{9ED0F6ED-5F01-4AC4-8259-D27AC7C5880B}" type="datetimeFigureOut">
               <a:rPr lang="en-US" smtClean="0"/>
-              <a:t>11/14/2018</a:t>
+              <a:t>9/14/2022</a:t>
             </a:fld>
             <a:endParaRPr lang="en-US"/>
           </a:p>
@@ -855,7 +856,7 @@
           <a:p>
             <a:fld id="{9ED0F6ED-5F01-4AC4-8259-D27AC7C5880B}" type="datetimeFigureOut">
               <a:rPr lang="en-US" smtClean="0"/>
-              <a:t>11/14/2018</a:t>
+              <a:t>9/14/2022</a:t>
             </a:fld>
             <a:endParaRPr lang="en-US"/>
           </a:p>
@@ -1100,7 +1101,7 @@
           <a:p>
             <a:fld id="{9ED0F6ED-5F01-4AC4-8259-D27AC7C5880B}" type="datetimeFigureOut">
               <a:rPr lang="en-US" smtClean="0"/>
-              <a:t>11/14/2018</a:t>
+              <a:t>9/14/2022</a:t>
             </a:fld>
             <a:endParaRPr lang="en-US"/>
           </a:p>
@@ -1329,7 +1330,7 @@
           <a:p>
             <a:fld id="{9ED0F6ED-5F01-4AC4-8259-D27AC7C5880B}" type="datetimeFigureOut">
               <a:rPr lang="en-US" smtClean="0"/>
-              <a:t>11/14/2018</a:t>
+              <a:t>9/14/2022</a:t>
             </a:fld>
             <a:endParaRPr lang="en-US"/>
           </a:p>
@@ -1693,7 +1694,7 @@
           <a:p>
             <a:fld id="{9ED0F6ED-5F01-4AC4-8259-D27AC7C5880B}" type="datetimeFigureOut">
               <a:rPr lang="en-US" smtClean="0"/>
-              <a:t>11/14/2018</a:t>
+              <a:t>9/14/2022</a:t>
             </a:fld>
             <a:endParaRPr lang="en-US"/>
           </a:p>
@@ -1810,7 +1811,7 @@
           <a:p>
             <a:fld id="{9ED0F6ED-5F01-4AC4-8259-D27AC7C5880B}" type="datetimeFigureOut">
               <a:rPr lang="en-US" smtClean="0"/>
-              <a:t>11/14/2018</a:t>
+              <a:t>9/14/2022</a:t>
             </a:fld>
             <a:endParaRPr lang="en-US"/>
           </a:p>
@@ -1905,7 +1906,7 @@
           <a:p>
             <a:fld id="{9ED0F6ED-5F01-4AC4-8259-D27AC7C5880B}" type="datetimeFigureOut">
               <a:rPr lang="en-US" smtClean="0"/>
-              <a:t>11/14/2018</a:t>
+              <a:t>9/14/2022</a:t>
             </a:fld>
             <a:endParaRPr lang="en-US"/>
           </a:p>
@@ -2180,7 +2181,7 @@
           <a:p>
             <a:fld id="{9ED0F6ED-5F01-4AC4-8259-D27AC7C5880B}" type="datetimeFigureOut">
               <a:rPr lang="en-US" smtClean="0"/>
-              <a:t>11/14/2018</a:t>
+              <a:t>9/14/2022</a:t>
             </a:fld>
             <a:endParaRPr lang="en-US"/>
           </a:p>
@@ -2432,7 +2433,7 @@
           <a:p>
             <a:fld id="{9ED0F6ED-5F01-4AC4-8259-D27AC7C5880B}" type="datetimeFigureOut">
               <a:rPr lang="en-US" smtClean="0"/>
-              <a:t>11/14/2018</a:t>
+              <a:t>9/14/2022</a:t>
             </a:fld>
             <a:endParaRPr lang="en-US"/>
           </a:p>
@@ -2643,7 +2644,7 @@
           <a:p>
             <a:fld id="{9ED0F6ED-5F01-4AC4-8259-D27AC7C5880B}" type="datetimeFigureOut">
               <a:rPr lang="en-US" smtClean="0"/>
-              <a:t>11/14/2018</a:t>
+              <a:t>9/14/2022</a:t>
             </a:fld>
             <a:endParaRPr lang="en-US"/>
           </a:p>
@@ -3141,7 +3142,7 @@
         <p:spPr>
           <a:xfrm>
             <a:off x="3783025" y="1251377"/>
-            <a:ext cx="7163117" cy="2585323"/>
+            <a:ext cx="7163117" cy="2862322"/>
           </a:xfrm>
           <a:prstGeom prst="rect">
             <a:avLst/>
@@ -3154,20 +3155,56 @@
           <a:lstStyle/>
           <a:p>
             <a:r>
-              <a:rPr lang="en-US" dirty="0"/>
-              <a:t>Vikram Pendse is currently working as Cloud Solution Architect in e-Zest Solutions Ltd. in (Pune) India. He is responsible for building Cloud and Digital innovation strategy for e-Zest customers globally. He is Microsoft MVP since year 2008 and currently Microsoft Azure MVP. He is Certified Azure Seller and completed AI Certification from University of Helsinki and </a:t>
-            </a:r>
-            <a:r>
-              <a:rPr lang="en-US" dirty="0" err="1"/>
-              <a:t>Reaktor</a:t>
-            </a:r>
-            <a:r>
-              <a:rPr lang="en-US" dirty="0"/>
-              <a:t>. He is a very active member in various Microsoft Communities and participates as a Speaker in many events in across the globe and talking on Microsoft Azure, Microsoft AI &amp; ML, Azure Blockchain. You can follow him on Twitter @</a:t>
-            </a:r>
-            <a:r>
-              <a:rPr lang="en-US" dirty="0" err="1"/>
-              <a:t>VikramPendse</a:t>
+              <a:rPr lang="en-US" b="0" i="0" dirty="0">
+                <a:solidFill>
+                  <a:srgbClr val="333333"/>
+                </a:solidFill>
+                <a:effectLst/>
+                <a:latin typeface="Helvetica Neue"/>
+              </a:rPr>
+              <a:t>Vikram Pendse is currently working as a Cloud Solution Architect from India. He has 15+ years of IT experience spanning a diverse mix of clients and geographies in the Microsoft Technologies Domain. He is an active Microsoft MVP since year 2008. Vikram enables Customers &amp; Communities globally to design, build and deploy large scale complex apps using Microsoft Azure Cloud and Microsoft AI Solutions. He is a member of many Microsoft Communities online/offline and participates as a Speaker in many key Microsoft events like Microsoft Ignite, TechEd, etc. You can follow him on Twitter </a:t>
+            </a:r>
+            <a:r>
+              <a:rPr lang="en-US" b="0" i="0" dirty="0">
+                <a:solidFill>
+                  <a:srgbClr val="333333"/>
+                </a:solidFill>
+                <a:effectLst/>
+                <a:latin typeface="Helvetica Neue"/>
+                <a:hlinkClick r:id="rId2"/>
+              </a:rPr>
+              <a:t>@VikramPendse</a:t>
+            </a:r>
+            <a:r>
+              <a:rPr lang="en-US" b="0" i="0" dirty="0">
+                <a:solidFill>
+                  <a:srgbClr val="333333"/>
+                </a:solidFill>
+                <a:effectLst/>
+                <a:latin typeface="Helvetica Neue"/>
+              </a:rPr>
+              <a:t> and </a:t>
+            </a:r>
+            <a:r>
+              <a:rPr lang="en-US" b="0" i="0" u="none" strike="noStrike" dirty="0">
+                <a:solidFill>
+                  <a:srgbClr val="337AB7"/>
+                </a:solidFill>
+                <a:effectLst/>
+                <a:latin typeface="Helvetica Neue"/>
+                <a:hlinkClick r:id="rId3"/>
+              </a:rPr>
+              <a:t>connect at LinkedIn</a:t>
+            </a:r>
+            <a:r>
+              <a:rPr lang="en-US" b="0" i="0" dirty="0">
+                <a:solidFill>
+                  <a:srgbClr val="333333"/>
+                </a:solidFill>
+                <a:effectLst/>
+                <a:latin typeface="Helvetica Neue"/>
+              </a:rPr>
+              <a:t>.</a:t>
             </a:r>
             <a:endParaRPr lang="en-US" dirty="0"/>
           </a:p>
@@ -3295,7 +3332,7 @@
                 <a:ea typeface="Segoe UI" panose="020B0502040204020203" pitchFamily="34" charset="0"/>
                 <a:cs typeface="Segoe UI" panose="020B0502040204020203" pitchFamily="34" charset="0"/>
               </a:rPr>
-              <a:t>Microsoft MVP – Azure, Cloud Solution Architect at e-Zest Solution</a:t>
+              <a:t>Microsoft MVP – Azure, Cloud Solution Architect at Amdocs</a:t>
             </a:r>
           </a:p>
         </p:txBody>
@@ -3373,7 +3410,7 @@
           <p:nvPr/>
         </p:nvPicPr>
         <p:blipFill>
-          <a:blip r:embed="rId2">
+          <a:blip r:embed="rId4">
             <a:extLst>
               <a:ext uri="{28A0092B-C50C-407E-A947-70E740481C1C}">
                 <a14:useLocalDpi xmlns:a14="http://schemas.microsoft.com/office/drawing/2010/main" val="0"/>
@@ -3409,7 +3446,7 @@
           <p:nvPr/>
         </p:nvPicPr>
         <p:blipFill>
-          <a:blip r:embed="rId3">
+          <a:blip r:embed="rId5">
             <a:extLst>
               <a:ext uri="{28A0092B-C50C-407E-A947-70E740481C1C}">
                 <a14:useLocalDpi xmlns:a14="http://schemas.microsoft.com/office/drawing/2010/main" val="0"/>
@@ -3434,6 +3471,186 @@
     <p:extLst>
       <p:ext uri="{BB962C8B-B14F-4D97-AF65-F5344CB8AC3E}">
         <p14:creationId xmlns:p14="http://schemas.microsoft.com/office/powerpoint/2010/main" val="796645020"/>
+      </p:ext>
+    </p:extLst>
+  </p:cSld>
+  <p:clrMapOvr>
+    <a:masterClrMapping/>
+  </p:clrMapOvr>
+</p:sld>
+</file>
+
+<file path=ppt/slides/slide2.xml><?xml version="1.0" encoding="utf-8"?>
+<p:sld xmlns:a="http://schemas.openxmlformats.org/drawingml/2006/main" xmlns:r="http://schemas.openxmlformats.org/officeDocument/2006/relationships" xmlns:p="http://schemas.openxmlformats.org/presentationml/2006/main">
+  <p:cSld>
+    <p:spTree>
+      <p:nvGrpSpPr>
+        <p:cNvPr id="1" name=""/>
+        <p:cNvGrpSpPr/>
+        <p:nvPr/>
+      </p:nvGrpSpPr>
+      <p:grpSpPr>
+        <a:xfrm>
+          <a:off x="0" y="0"/>
+          <a:ext cx="0" cy="0"/>
+          <a:chOff x="0" y="0"/>
+          <a:chExt cx="0" cy="0"/>
+        </a:xfrm>
+      </p:grpSpPr>
+      <p:pic>
+        <p:nvPicPr>
+          <p:cNvPr id="3" name="Picture 2" descr="A person with a mustache&#10;&#10;Description automatically generated with medium confidence">
+            <a:extLst>
+              <a:ext uri="{FF2B5EF4-FFF2-40B4-BE49-F238E27FC236}">
+                <a16:creationId xmlns:a16="http://schemas.microsoft.com/office/drawing/2014/main" id="{F68CD52E-62A4-48F1-B7B8-6DF853044261}"/>
+              </a:ext>
+            </a:extLst>
+          </p:cNvPr>
+          <p:cNvPicPr>
+            <a:picLocks noChangeAspect="1"/>
+          </p:cNvPicPr>
+          <p:nvPr/>
+        </p:nvPicPr>
+        <p:blipFill>
+          <a:blip r:embed="rId2">
+            <a:extLst>
+              <a:ext uri="{28A0092B-C50C-407E-A947-70E740481C1C}">
+                <a14:useLocalDpi xmlns:a14="http://schemas.microsoft.com/office/drawing/2010/main" val="0"/>
+              </a:ext>
+            </a:extLst>
+          </a:blip>
+          <a:stretch>
+            <a:fillRect/>
+          </a:stretch>
+        </p:blipFill>
+        <p:spPr>
+          <a:xfrm>
+            <a:off x="759373" y="732406"/>
+            <a:ext cx="4423434" cy="5808984"/>
+          </a:xfrm>
+          <a:prstGeom prst="rect">
+            <a:avLst/>
+          </a:prstGeom>
+        </p:spPr>
+      </p:pic>
+      <p:pic>
+        <p:nvPicPr>
+          <p:cNvPr id="5" name="Picture 4" descr="A person with a mustache&#10;&#10;Description automatically generated with low confidence">
+            <a:extLst>
+              <a:ext uri="{FF2B5EF4-FFF2-40B4-BE49-F238E27FC236}">
+                <a16:creationId xmlns:a16="http://schemas.microsoft.com/office/drawing/2014/main" id="{32DAEEA4-B066-473C-87E0-8C6E372EE25B}"/>
+              </a:ext>
+            </a:extLst>
+          </p:cNvPr>
+          <p:cNvPicPr>
+            <a:picLocks noChangeAspect="1"/>
+          </p:cNvPicPr>
+          <p:nvPr/>
+        </p:nvPicPr>
+        <p:blipFill>
+          <a:blip r:embed="rId3">
+            <a:extLst>
+              <a:ext uri="{28A0092B-C50C-407E-A947-70E740481C1C}">
+                <a14:useLocalDpi xmlns:a14="http://schemas.microsoft.com/office/drawing/2010/main" val="0"/>
+              </a:ext>
+            </a:extLst>
+          </a:blip>
+          <a:stretch>
+            <a:fillRect/>
+          </a:stretch>
+        </p:blipFill>
+        <p:spPr>
+          <a:xfrm>
+            <a:off x="6848829" y="725929"/>
+            <a:ext cx="3874551" cy="5815461"/>
+          </a:xfrm>
+          <a:prstGeom prst="rect">
+            <a:avLst/>
+          </a:prstGeom>
+        </p:spPr>
+      </p:pic>
+      <p:sp>
+        <p:nvSpPr>
+          <p:cNvPr id="7" name="Rectangle 6">
+            <a:extLst>
+              <a:ext uri="{FF2B5EF4-FFF2-40B4-BE49-F238E27FC236}">
+                <a16:creationId xmlns:a16="http://schemas.microsoft.com/office/drawing/2014/main" id="{A9A08DF1-55FC-4296-A974-65274464A666}"/>
+              </a:ext>
+            </a:extLst>
+          </p:cNvPr>
+          <p:cNvSpPr/>
+          <p:nvPr/>
+        </p:nvSpPr>
+        <p:spPr>
+          <a:xfrm>
+            <a:off x="503341" y="92254"/>
+            <a:ext cx="3033486" cy="461665"/>
+          </a:xfrm>
+          <a:prstGeom prst="rect">
+            <a:avLst/>
+          </a:prstGeom>
+        </p:spPr>
+        <p:txBody>
+          <a:bodyPr wrap="square">
+            <a:spAutoFit/>
+          </a:bodyPr>
+          <a:lstStyle/>
+          <a:p>
+            <a:pPr marL="0" marR="0" lvl="0" indent="0" algn="l" defTabSz="914400" rtl="0" eaLnBrk="1" fontAlgn="auto" latinLnBrk="0" hangingPunct="1">
+              <a:lnSpc>
+                <a:spcPct val="100000"/>
+              </a:lnSpc>
+              <a:spcBef>
+                <a:spcPts val="0"/>
+              </a:spcBef>
+              <a:spcAft>
+                <a:spcPts val="0"/>
+              </a:spcAft>
+              <a:buClrTx/>
+              <a:buSzTx/>
+              <a:buFontTx/>
+              <a:buNone/>
+              <a:tabLst/>
+              <a:defRPr/>
+            </a:pPr>
+            <a:r>
+              <a:rPr kumimoji="0" lang="en-US" sz="2400" b="0" i="0" u="none" strike="noStrike" kern="1200" cap="none" spc="0" normalizeH="0" baseline="0" noProof="0" dirty="0">
+                <a:ln>
+                  <a:noFill/>
+                </a:ln>
+                <a:solidFill>
+                  <a:prstClr val="black"/>
+                </a:solidFill>
+                <a:effectLst/>
+                <a:uLnTx/>
+                <a:uFillTx/>
+                <a:latin typeface="Segoe UI Semibold" panose="020B0702040204020203" pitchFamily="34" charset="0"/>
+                <a:ea typeface="+mn-ea"/>
+                <a:cs typeface="+mn-cs"/>
+              </a:rPr>
+              <a:t>Speaker Photo</a:t>
+            </a:r>
+            <a:endParaRPr kumimoji="0" lang="en-US" sz="1800" b="0" i="0" u="none" strike="noStrike" kern="1200" cap="none" spc="0" normalizeH="0" baseline="0" noProof="0" dirty="0">
+              <a:ln>
+                <a:noFill/>
+              </a:ln>
+              <a:solidFill>
+                <a:prstClr val="black"/>
+              </a:solidFill>
+              <a:effectLst/>
+              <a:uLnTx/>
+              <a:uFillTx/>
+              <a:latin typeface="Segoe UI" panose="020B0502040204020203" pitchFamily="34" charset="0"/>
+              <a:ea typeface="Segoe UI" panose="020B0502040204020203" pitchFamily="34" charset="0"/>
+              <a:cs typeface="Segoe UI" panose="020B0502040204020203" pitchFamily="34" charset="0"/>
+            </a:endParaRPr>
+          </a:p>
+        </p:txBody>
+      </p:sp>
+    </p:spTree>
+    <p:extLst>
+      <p:ext uri="{BB962C8B-B14F-4D97-AF65-F5344CB8AC3E}">
+        <p14:creationId xmlns:p14="http://schemas.microsoft.com/office/powerpoint/2010/main" val="533464883"/>
       </p:ext>
     </p:extLst>
   </p:cSld>

--- a/Vikram_Pendse_Speaker_Profile.pptx
+++ b/Vikram_Pendse_Speaker_Profile.pptx
@@ -3142,7 +3142,7 @@
         <p:spPr>
           <a:xfrm>
             <a:off x="3783025" y="1251377"/>
-            <a:ext cx="7163117" cy="2862322"/>
+            <a:ext cx="7163117" cy="3139321"/>
           </a:xfrm>
           <a:prstGeom prst="rect">
             <a:avLst/>
@@ -3162,7 +3162,46 @@
                 <a:effectLst/>
                 <a:latin typeface="Helvetica Neue"/>
               </a:rPr>
-              <a:t>Vikram Pendse is currently working as a Cloud Solution Architect from India. He has 15+ years of IT experience spanning a diverse mix of clients and geographies in the Microsoft Technologies Domain. He is an active Microsoft MVP since year 2008. Vikram enables Customers &amp; Communities globally to design, build and deploy large scale complex apps using Microsoft Azure Cloud and Microsoft AI Solutions. He is a member of many Microsoft Communities online/offline and participates as a Speaker in many key Microsoft events like Microsoft Ignite, TechEd, etc. You can follow him on Twitter </a:t>
+              <a:t>Vikram Pendse is currently working as a Cloud Solution Architect </a:t>
+            </a:r>
+            <a:r>
+              <a:rPr lang="en-US" dirty="0">
+                <a:solidFill>
+                  <a:srgbClr val="333333"/>
+                </a:solidFill>
+                <a:latin typeface="Helvetica Neue"/>
+              </a:rPr>
+              <a:t>in Amdocs Global Cloud PSO</a:t>
+            </a:r>
+            <a:r>
+              <a:rPr lang="en-US" b="0" i="0" dirty="0">
+                <a:solidFill>
+                  <a:srgbClr val="333333"/>
+                </a:solidFill>
+                <a:effectLst/>
+                <a:latin typeface="Helvetica Neue"/>
+              </a:rPr>
+              <a:t> from India. He is an active Microsoft MVP since year </a:t>
+            </a:r>
+            <a:r>
+              <a:rPr lang="en-US" b="0" i="0">
+                <a:solidFill>
+                  <a:srgbClr val="333333"/>
+                </a:solidFill>
+                <a:effectLst/>
+                <a:latin typeface="Helvetica Neue"/>
+              </a:rPr>
+              <a:t>2008 and have </a:t>
+            </a:r>
+            <a:r>
+              <a:rPr lang="en-US" b="0" i="0" dirty="0">
+                <a:solidFill>
+                  <a:srgbClr val="333333"/>
+                </a:solidFill>
+                <a:effectLst/>
+                <a:latin typeface="Helvetica Neue"/>
+              </a:rPr>
+              <a:t>15+ years of IT experience spanning a diverse mix of clients and geographies in the Microsoft Technologies Domain. Vikram enables Customers &amp; Communities globally to design, build and deploy large scale complex apps using Microsoft Azure Cloud and Microsoft AI Solutions. He is a member of many Microsoft Communities online/offline and participates as a Speaker in many key Microsoft events like Microsoft Ignite, TechEd, etc. You can follow him on Twitter </a:t>
             </a:r>
             <a:r>
               <a:rPr lang="en-US" b="0" i="0" dirty="0">
